--- a/trunk/beeblz/beeblz-facebook/doc/facebook_sna_v0.2_20101225_배영규.pptx
+++ b/trunk/beeblz/beeblz-facebook/doc/facebook_sna_v0.2_20101225_배영규.pptx
@@ -209,7 +209,7 @@
             <a:fld id="{21DA05FE-2E34-4811-A625-7B96675ED22B}" type="datetimeFigureOut">
               <a:rPr lang="ko-KR" altLang="en-US" smtClean="0"/>
               <a:pPr/>
-              <a:t>2010-12-25</a:t>
+              <a:t>2010-12-26</a:t>
             </a:fld>
             <a:endParaRPr lang="ko-KR" altLang="en-US" dirty="0"/>
           </a:p>
@@ -3618,7 +3618,7 @@
         </p:nvSpPr>
         <p:spPr>
           <a:xfrm>
-            <a:off x="3959361" y="1745595"/>
+            <a:off x="400921" y="1678472"/>
             <a:ext cx="936104" cy="165408"/>
           </a:xfrm>
           <a:prstGeom prst="snip1Rect">
@@ -3661,7 +3661,7 @@
                 <a:latin typeface="나눔고딕" pitchFamily="50" charset="-127"/>
                 <a:ea typeface="나눔고딕" pitchFamily="50" charset="-127"/>
               </a:rPr>
-              <a:t>My Friends</a:t>
+              <a:t>Social Graph</a:t>
             </a:r>
             <a:endParaRPr lang="ko-KR" altLang="en-US" sz="700" b="1" dirty="0">
               <a:latin typeface="나눔고딕" pitchFamily="50" charset="-127"/>
@@ -11405,6 +11405,114 @@
           </a:p>
         </p:txBody>
       </p:sp>
+      <p:sp>
+        <p:nvSpPr>
+          <p:cNvPr id="102" name="한쪽 모서리가 잘린 사각형 101"/>
+          <p:cNvSpPr/>
+          <p:nvPr/>
+        </p:nvSpPr>
+        <p:spPr>
+          <a:xfrm>
+            <a:off x="1353074" y="1678472"/>
+            <a:ext cx="936104" cy="165408"/>
+          </a:xfrm>
+          <a:prstGeom prst="snip1Rect">
+            <a:avLst>
+              <a:gd name="adj" fmla="val 35186"/>
+            </a:avLst>
+          </a:prstGeom>
+          <a:solidFill>
+            <a:schemeClr val="bg1">
+              <a:lumMod val="75000"/>
+            </a:schemeClr>
+          </a:solidFill>
+          <a:ln>
+            <a:noFill/>
+          </a:ln>
+        </p:spPr>
+        <p:style>
+          <a:lnRef idx="2">
+            <a:schemeClr val="accent1">
+              <a:shade val="50000"/>
+            </a:schemeClr>
+          </a:lnRef>
+          <a:fillRef idx="1">
+            <a:schemeClr val="accent1"/>
+          </a:fillRef>
+          <a:effectRef idx="0">
+            <a:schemeClr val="accent1"/>
+          </a:effectRef>
+          <a:fontRef idx="minor">
+            <a:schemeClr val="lt1"/>
+          </a:fontRef>
+        </p:style>
+        <p:txBody>
+          <a:bodyPr anchor="ctr"/>
+          <a:lstStyle/>
+          <a:p>
+            <a:pPr algn="ctr"/>
+            <a:r>
+              <a:rPr lang="en-US" altLang="ko-KR" sz="700" b="1" dirty="0" smtClean="0">
+                <a:latin typeface="나눔고딕" pitchFamily="50" charset="-127"/>
+                <a:ea typeface="나눔고딕" pitchFamily="50" charset="-127"/>
+              </a:rPr>
+              <a:t>Closeness Graph</a:t>
+            </a:r>
+            <a:endParaRPr lang="ko-KR" altLang="en-US" sz="700" b="1" dirty="0">
+              <a:latin typeface="나눔고딕" pitchFamily="50" charset="-127"/>
+              <a:ea typeface="나눔고딕" pitchFamily="50" charset="-127"/>
+            </a:endParaRPr>
+          </a:p>
+        </p:txBody>
+      </p:sp>
+      <p:sp>
+        <p:nvSpPr>
+          <p:cNvPr id="103" name="직사각형 102"/>
+          <p:cNvSpPr/>
+          <p:nvPr/>
+        </p:nvSpPr>
+        <p:spPr>
+          <a:xfrm>
+            <a:off x="400921" y="1843880"/>
+            <a:ext cx="3472948" cy="3745360"/>
+          </a:xfrm>
+          <a:prstGeom prst="rect">
+            <a:avLst/>
+          </a:prstGeom>
+          <a:noFill/>
+          <a:ln w="9525">
+            <a:solidFill>
+              <a:schemeClr val="bg1">
+                <a:lumMod val="65000"/>
+              </a:schemeClr>
+            </a:solidFill>
+          </a:ln>
+        </p:spPr>
+        <p:style>
+          <a:lnRef idx="2">
+            <a:schemeClr val="accent1">
+              <a:shade val="50000"/>
+            </a:schemeClr>
+          </a:lnRef>
+          <a:fillRef idx="1">
+            <a:schemeClr val="accent1"/>
+          </a:fillRef>
+          <a:effectRef idx="0">
+            <a:schemeClr val="accent1"/>
+          </a:effectRef>
+          <a:fontRef idx="minor">
+            <a:schemeClr val="lt1"/>
+          </a:fontRef>
+        </p:style>
+        <p:txBody>
+          <a:bodyPr rtlCol="0" anchor="ctr"/>
+          <a:lstStyle/>
+          <a:p>
+            <a:pPr algn="ctr"/>
+            <a:endParaRPr lang="ko-KR" altLang="en-US" dirty="0"/>
+          </a:p>
+        </p:txBody>
+      </p:sp>
     </p:spTree>
     <p:extLst>
       <p:ext uri="{BB962C8B-B14F-4D97-AF65-F5344CB8AC3E}">
@@ -11566,7 +11674,7 @@
         </p:nvSpPr>
         <p:spPr bwMode="auto">
           <a:xfrm>
-            <a:off x="109539" y="1080492"/>
+            <a:off x="109539" y="1081311"/>
             <a:ext cx="6622702" cy="5228829"/>
           </a:xfrm>
           <a:prstGeom prst="rect">
@@ -12496,6 +12604,174 @@
           </a:extLst>
         </p:spPr>
       </p:pic>
+      <p:sp>
+        <p:nvSpPr>
+          <p:cNvPr id="18" name="한쪽 모서리가 잘린 사각형 17"/>
+          <p:cNvSpPr/>
+          <p:nvPr/>
+        </p:nvSpPr>
+        <p:spPr>
+          <a:xfrm>
+            <a:off x="400921" y="1678472"/>
+            <a:ext cx="936104" cy="165408"/>
+          </a:xfrm>
+          <a:prstGeom prst="snip1Rect">
+            <a:avLst>
+              <a:gd name="adj" fmla="val 35186"/>
+            </a:avLst>
+          </a:prstGeom>
+          <a:solidFill>
+            <a:schemeClr val="bg1">
+              <a:lumMod val="50000"/>
+            </a:schemeClr>
+          </a:solidFill>
+          <a:ln>
+            <a:noFill/>
+          </a:ln>
+        </p:spPr>
+        <p:style>
+          <a:lnRef idx="2">
+            <a:schemeClr val="accent1">
+              <a:shade val="50000"/>
+            </a:schemeClr>
+          </a:lnRef>
+          <a:fillRef idx="1">
+            <a:schemeClr val="accent1"/>
+          </a:fillRef>
+          <a:effectRef idx="0">
+            <a:schemeClr val="accent1"/>
+          </a:effectRef>
+          <a:fontRef idx="minor">
+            <a:schemeClr val="lt1"/>
+          </a:fontRef>
+        </p:style>
+        <p:txBody>
+          <a:bodyPr anchor="ctr"/>
+          <a:lstStyle/>
+          <a:p>
+            <a:pPr algn="ctr"/>
+            <a:r>
+              <a:rPr lang="en-US" altLang="ko-KR" sz="700" b="1" dirty="0">
+                <a:latin typeface="나눔고딕" pitchFamily="50" charset="-127"/>
+                <a:ea typeface="나눔고딕" pitchFamily="50" charset="-127"/>
+              </a:rPr>
+              <a:t>Social Graph</a:t>
+            </a:r>
+            <a:endParaRPr lang="ko-KR" altLang="en-US" sz="700" b="1" dirty="0">
+              <a:latin typeface="나눔고딕" pitchFamily="50" charset="-127"/>
+              <a:ea typeface="나눔고딕" pitchFamily="50" charset="-127"/>
+            </a:endParaRPr>
+          </a:p>
+        </p:txBody>
+      </p:sp>
+      <p:sp>
+        <p:nvSpPr>
+          <p:cNvPr id="19" name="한쪽 모서리가 잘린 사각형 18"/>
+          <p:cNvSpPr/>
+          <p:nvPr/>
+        </p:nvSpPr>
+        <p:spPr>
+          <a:xfrm>
+            <a:off x="1353074" y="1678472"/>
+            <a:ext cx="936104" cy="165408"/>
+          </a:xfrm>
+          <a:prstGeom prst="snip1Rect">
+            <a:avLst>
+              <a:gd name="adj" fmla="val 35186"/>
+            </a:avLst>
+          </a:prstGeom>
+          <a:solidFill>
+            <a:schemeClr val="bg1">
+              <a:lumMod val="75000"/>
+            </a:schemeClr>
+          </a:solidFill>
+          <a:ln>
+            <a:noFill/>
+          </a:ln>
+        </p:spPr>
+        <p:style>
+          <a:lnRef idx="2">
+            <a:schemeClr val="accent1">
+              <a:shade val="50000"/>
+            </a:schemeClr>
+          </a:lnRef>
+          <a:fillRef idx="1">
+            <a:schemeClr val="accent1"/>
+          </a:fillRef>
+          <a:effectRef idx="0">
+            <a:schemeClr val="accent1"/>
+          </a:effectRef>
+          <a:fontRef idx="minor">
+            <a:schemeClr val="lt1"/>
+          </a:fontRef>
+        </p:style>
+        <p:txBody>
+          <a:bodyPr anchor="ctr"/>
+          <a:lstStyle/>
+          <a:p>
+            <a:pPr algn="ctr"/>
+            <a:r>
+              <a:rPr lang="en-US" altLang="ko-KR" sz="700" b="1" dirty="0" smtClean="0">
+                <a:latin typeface="나눔고딕" pitchFamily="50" charset="-127"/>
+                <a:ea typeface="나눔고딕" pitchFamily="50" charset="-127"/>
+              </a:rPr>
+              <a:t>Closeness Graph</a:t>
+            </a:r>
+            <a:endParaRPr lang="ko-KR" altLang="en-US" sz="700" b="1" dirty="0">
+              <a:latin typeface="나눔고딕" pitchFamily="50" charset="-127"/>
+              <a:ea typeface="나눔고딕" pitchFamily="50" charset="-127"/>
+            </a:endParaRPr>
+          </a:p>
+        </p:txBody>
+      </p:sp>
+      <p:sp>
+        <p:nvSpPr>
+          <p:cNvPr id="20" name="직사각형 19"/>
+          <p:cNvSpPr/>
+          <p:nvPr/>
+        </p:nvSpPr>
+        <p:spPr>
+          <a:xfrm>
+            <a:off x="400921" y="1843880"/>
+            <a:ext cx="3472948" cy="3745360"/>
+          </a:xfrm>
+          <a:prstGeom prst="rect">
+            <a:avLst/>
+          </a:prstGeom>
+          <a:noFill/>
+          <a:ln w="9525">
+            <a:solidFill>
+              <a:schemeClr val="bg1">
+                <a:lumMod val="65000"/>
+              </a:schemeClr>
+            </a:solidFill>
+          </a:ln>
+        </p:spPr>
+        <p:style>
+          <a:lnRef idx="2">
+            <a:schemeClr val="accent1">
+              <a:shade val="50000"/>
+            </a:schemeClr>
+          </a:lnRef>
+          <a:fillRef idx="1">
+            <a:schemeClr val="accent1"/>
+          </a:fillRef>
+          <a:effectRef idx="0">
+            <a:schemeClr val="accent1"/>
+          </a:effectRef>
+          <a:fontRef idx="minor">
+            <a:schemeClr val="lt1"/>
+          </a:fontRef>
+        </p:style>
+        <p:txBody>
+          <a:bodyPr rtlCol="0" anchor="ctr"/>
+          <a:lstStyle/>
+          <a:p>
+            <a:pPr algn="ctr"/>
+            <a:endParaRPr lang="ko-KR" altLang="en-US" dirty="0"/>
+          </a:p>
+        </p:txBody>
+      </p:sp>
     </p:spTree>
     <p:extLst>
       <p:ext uri="{BB962C8B-B14F-4D97-AF65-F5344CB8AC3E}">
@@ -21575,6 +21851,267 @@
                   </a:solidFill>
                 </a:rPr>
                 <a:t>6</a:t>
+              </a:r>
+              <a:endParaRPr lang="ko-KR" altLang="en-US" sz="800" b="1" dirty="0">
+                <a:solidFill>
+                  <a:prstClr val="white"/>
+                </a:solidFill>
+              </a:endParaRPr>
+            </a:p>
+          </p:txBody>
+        </p:sp>
+      </p:grpSp>
+      <p:sp>
+        <p:nvSpPr>
+          <p:cNvPr id="49" name="Oval 251"/>
+          <p:cNvSpPr/>
+          <p:nvPr/>
+        </p:nvSpPr>
+        <p:spPr>
+          <a:xfrm>
+            <a:off x="6462561" y="1928533"/>
+            <a:ext cx="170118" cy="144000"/>
+          </a:xfrm>
+          <a:prstGeom prst="roundRect">
+            <a:avLst/>
+          </a:prstGeom>
+          <a:solidFill>
+            <a:schemeClr val="tx1">
+              <a:lumMod val="65000"/>
+              <a:lumOff val="35000"/>
+            </a:schemeClr>
+          </a:solidFill>
+          <a:ln>
+            <a:noFill/>
+          </a:ln>
+        </p:spPr>
+        <p:style>
+          <a:lnRef idx="2">
+            <a:schemeClr val="accent1">
+              <a:shade val="50000"/>
+            </a:schemeClr>
+          </a:lnRef>
+          <a:fillRef idx="1">
+            <a:schemeClr val="accent1"/>
+          </a:fillRef>
+          <a:effectRef idx="0">
+            <a:schemeClr val="accent1"/>
+          </a:effectRef>
+          <a:fontRef idx="minor">
+            <a:schemeClr val="lt1"/>
+          </a:fontRef>
+        </p:style>
+        <p:txBody>
+          <a:bodyPr anchor="ctr"/>
+          <a:lstStyle/>
+          <a:p>
+            <a:pPr algn="ctr">
+              <a:defRPr/>
+            </a:pPr>
+            <a:endParaRPr lang="ko-KR" altLang="en-US" sz="800" b="1" dirty="0">
+              <a:solidFill>
+                <a:schemeClr val="bg1"/>
+              </a:solidFill>
+              <a:latin typeface="나눔고딕" pitchFamily="50" charset="-127"/>
+              <a:ea typeface="나눔고딕" pitchFamily="50" charset="-127"/>
+            </a:endParaRPr>
+          </a:p>
+        </p:txBody>
+      </p:sp>
+      <p:sp>
+        <p:nvSpPr>
+          <p:cNvPr id="50" name="Oval 251"/>
+          <p:cNvSpPr/>
+          <p:nvPr/>
+        </p:nvSpPr>
+        <p:spPr>
+          <a:xfrm>
+            <a:off x="6551265" y="1802610"/>
+            <a:ext cx="180976" cy="180975"/>
+          </a:xfrm>
+          <a:prstGeom prst="ellipse">
+            <a:avLst/>
+          </a:prstGeom>
+          <a:solidFill>
+            <a:srgbClr val="C00000"/>
+          </a:solidFill>
+          <a:ln>
+            <a:noFill/>
+          </a:ln>
+        </p:spPr>
+        <p:style>
+          <a:lnRef idx="2">
+            <a:schemeClr val="accent1">
+              <a:shade val="50000"/>
+            </a:schemeClr>
+          </a:lnRef>
+          <a:fillRef idx="1">
+            <a:schemeClr val="accent1"/>
+          </a:fillRef>
+          <a:effectRef idx="0">
+            <a:schemeClr val="accent1"/>
+          </a:effectRef>
+          <a:fontRef idx="minor">
+            <a:schemeClr val="lt1"/>
+          </a:fontRef>
+        </p:style>
+        <p:txBody>
+          <a:bodyPr anchor="ctr"/>
+          <a:lstStyle/>
+          <a:p>
+            <a:pPr algn="ctr">
+              <a:defRPr/>
+            </a:pPr>
+            <a:r>
+              <a:rPr lang="en-US" altLang="ko-KR" sz="800" b="1" dirty="0" smtClean="0">
+                <a:solidFill>
+                  <a:prstClr val="white"/>
+                </a:solidFill>
+              </a:rPr>
+              <a:t>7</a:t>
+            </a:r>
+            <a:endParaRPr lang="ko-KR" altLang="en-US" sz="800" b="1" dirty="0">
+              <a:solidFill>
+                <a:prstClr val="white"/>
+              </a:solidFill>
+            </a:endParaRPr>
+          </a:p>
+        </p:txBody>
+      </p:sp>
+      <p:grpSp>
+        <p:nvGrpSpPr>
+          <p:cNvPr id="51" name="그룹 50"/>
+          <p:cNvGrpSpPr/>
+          <p:nvPr/>
+        </p:nvGrpSpPr>
+        <p:grpSpPr>
+          <a:xfrm>
+            <a:off x="6921158" y="6372180"/>
+            <a:ext cx="2102086" cy="215444"/>
+            <a:chOff x="6921158" y="1376044"/>
+            <a:chExt cx="2102086" cy="215444"/>
+          </a:xfrm>
+        </p:grpSpPr>
+        <p:sp>
+          <p:nvSpPr>
+            <p:cNvPr id="52" name="Text Box 37"/>
+            <p:cNvSpPr txBox="1">
+              <a:spLocks noChangeArrowheads="1"/>
+            </p:cNvSpPr>
+            <p:nvPr/>
+          </p:nvSpPr>
+          <p:spPr bwMode="auto">
+            <a:xfrm>
+              <a:off x="7065158" y="1376044"/>
+              <a:ext cx="1958086" cy="215444"/>
+            </a:xfrm>
+            <a:prstGeom prst="rect">
+              <a:avLst/>
+            </a:prstGeom>
+            <a:noFill/>
+            <a:ln w="9525" algn="ctr">
+              <a:noFill/>
+              <a:miter lim="800000"/>
+              <a:headEnd/>
+              <a:tailEnd/>
+            </a:ln>
+          </p:spPr>
+          <p:txBody>
+            <a:bodyPr wrap="square">
+              <a:spAutoFit/>
+            </a:bodyPr>
+            <a:lstStyle/>
+            <a:p>
+              <a:pPr algn="l" rtl="0" fontAlgn="base" latinLnBrk="1">
+                <a:spcBef>
+                  <a:spcPct val="0"/>
+                </a:spcBef>
+                <a:spcAft>
+                  <a:spcPct val="0"/>
+                </a:spcAft>
+              </a:pPr>
+              <a:r>
+                <a:rPr kumimoji="1" lang="en-US" altLang="ko-KR" sz="800" b="1" dirty="0" smtClean="0">
+                  <a:solidFill>
+                    <a:srgbClr val="000000"/>
+                  </a:solidFill>
+                  <a:latin typeface="나눔고딕" pitchFamily="50" charset="-127"/>
+                  <a:ea typeface="나눔고딕" pitchFamily="50" charset="-127"/>
+                </a:rPr>
+                <a:t>[Best Friend Prize] </a:t>
+              </a:r>
+              <a:r>
+                <a:rPr kumimoji="1" lang="ko-KR" altLang="en-US" sz="800" b="1" dirty="0" smtClean="0">
+                  <a:solidFill>
+                    <a:srgbClr val="000000"/>
+                  </a:solidFill>
+                  <a:latin typeface="나눔고딕" pitchFamily="50" charset="-127"/>
+                  <a:ea typeface="나눔고딕" pitchFamily="50" charset="-127"/>
+                </a:rPr>
+                <a:t>버튼</a:t>
+              </a:r>
+              <a:endParaRPr kumimoji="1" lang="ko-KR" altLang="en-US" sz="800" b="1" kern="1200" dirty="0">
+                <a:solidFill>
+                  <a:srgbClr val="000000"/>
+                </a:solidFill>
+                <a:latin typeface="나눔고딕" pitchFamily="50" charset="-127"/>
+                <a:ea typeface="나눔고딕" pitchFamily="50" charset="-127"/>
+                <a:cs typeface="+mn-cs"/>
+              </a:endParaRPr>
+            </a:p>
+          </p:txBody>
+        </p:sp>
+        <p:sp>
+          <p:nvSpPr>
+            <p:cNvPr id="53" name="Oval 251"/>
+            <p:cNvSpPr/>
+            <p:nvPr/>
+          </p:nvSpPr>
+          <p:spPr>
+            <a:xfrm>
+              <a:off x="6921158" y="1417574"/>
+              <a:ext cx="144000" cy="144000"/>
+            </a:xfrm>
+            <a:prstGeom prst="ellipse">
+              <a:avLst/>
+            </a:prstGeom>
+            <a:solidFill>
+              <a:srgbClr val="FF0000"/>
+            </a:solidFill>
+            <a:ln>
+              <a:noFill/>
+            </a:ln>
+          </p:spPr>
+          <p:style>
+            <a:lnRef idx="2">
+              <a:schemeClr val="accent1">
+                <a:shade val="50000"/>
+              </a:schemeClr>
+            </a:lnRef>
+            <a:fillRef idx="1">
+              <a:schemeClr val="accent1"/>
+            </a:fillRef>
+            <a:effectRef idx="0">
+              <a:schemeClr val="accent1"/>
+            </a:effectRef>
+            <a:fontRef idx="minor">
+              <a:schemeClr val="lt1"/>
+            </a:fontRef>
+          </p:style>
+          <p:txBody>
+            <a:bodyPr anchor="ctr"/>
+            <a:lstStyle/>
+            <a:p>
+              <a:pPr algn="ctr">
+                <a:defRPr/>
+              </a:pPr>
+              <a:r>
+                <a:rPr lang="en-US" altLang="ko-KR" sz="800" b="1" dirty="0" smtClean="0">
+                  <a:solidFill>
+                    <a:prstClr val="white"/>
+                  </a:solidFill>
+                </a:rPr>
+                <a:t>7</a:t>
               </a:r>
               <a:endParaRPr lang="ko-KR" altLang="en-US" sz="800" b="1" dirty="0">
                 <a:solidFill>

--- a/trunk/beeblz/beeblz-facebook/doc/facebook_sna_v0.2_20101225_배영규.pptx
+++ b/trunk/beeblz/beeblz-facebook/doc/facebook_sna_v0.2_20101225_배영규.pptx
@@ -209,7 +209,7 @@
             <a:fld id="{21DA05FE-2E34-4811-A625-7B96675ED22B}" type="datetimeFigureOut">
               <a:rPr lang="ko-KR" altLang="en-US" smtClean="0"/>
               <a:pPr/>
-              <a:t>2010-12-26</a:t>
+              <a:t>2011-01-10</a:t>
             </a:fld>
             <a:endParaRPr lang="ko-KR" altLang="en-US" dirty="0"/>
           </a:p>
@@ -11510,6 +11510,72 @@
           <a:p>
             <a:pPr algn="ctr"/>
             <a:endParaRPr lang="ko-KR" altLang="en-US" dirty="0"/>
+          </a:p>
+        </p:txBody>
+      </p:sp>
+      <p:sp>
+        <p:nvSpPr>
+          <p:cNvPr id="104" name="Oval 251"/>
+          <p:cNvSpPr/>
+          <p:nvPr/>
+        </p:nvSpPr>
+        <p:spPr>
+          <a:xfrm>
+            <a:off x="4167218" y="1376233"/>
+            <a:ext cx="764504" cy="180975"/>
+          </a:xfrm>
+          <a:prstGeom prst="roundRect">
+            <a:avLst/>
+          </a:prstGeom>
+          <a:solidFill>
+            <a:schemeClr val="bg1">
+              <a:lumMod val="75000"/>
+            </a:schemeClr>
+          </a:solidFill>
+          <a:ln>
+            <a:noFill/>
+          </a:ln>
+        </p:spPr>
+        <p:style>
+          <a:lnRef idx="2">
+            <a:schemeClr val="accent1">
+              <a:shade val="50000"/>
+            </a:schemeClr>
+          </a:lnRef>
+          <a:fillRef idx="1">
+            <a:schemeClr val="accent1"/>
+          </a:fillRef>
+          <a:effectRef idx="0">
+            <a:schemeClr val="accent1"/>
+          </a:effectRef>
+          <a:fontRef idx="minor">
+            <a:schemeClr val="lt1"/>
+          </a:fontRef>
+        </p:style>
+        <p:txBody>
+          <a:bodyPr anchor="ctr"/>
+          <a:lstStyle/>
+          <a:p>
+            <a:pPr algn="ctr">
+              <a:defRPr/>
+            </a:pPr>
+            <a:r>
+              <a:rPr lang="en-US" altLang="ko-KR" sz="700" b="1" dirty="0" smtClean="0">
+                <a:solidFill>
+                  <a:schemeClr val="bg1"/>
+                </a:solidFill>
+                <a:latin typeface="나눔고딕" pitchFamily="50" charset="-127"/>
+                <a:ea typeface="나눔고딕" pitchFamily="50" charset="-127"/>
+              </a:rPr>
+              <a:t>Top Friends Share</a:t>
+            </a:r>
+            <a:endParaRPr lang="ko-KR" altLang="en-US" sz="700" b="1" dirty="0">
+              <a:solidFill>
+                <a:schemeClr val="bg1"/>
+              </a:solidFill>
+              <a:latin typeface="나눔고딕" pitchFamily="50" charset="-127"/>
+              <a:ea typeface="나눔고딕" pitchFamily="50" charset="-127"/>
+            </a:endParaRPr>
           </a:p>
         </p:txBody>
       </p:sp>
